--- a/Presentation/PowerPoint/template.pptx
+++ b/Presentation/PowerPoint/template.pptx
@@ -5,10 +5,10 @@
     <p:sldMasterId id="2147483648" r:id="rId1"/>
   </p:sldMasterIdLst>
   <p:notesMasterIdLst>
-    <p:notesMasterId r:id="rId12"/>
+    <p:notesMasterId r:id="rId13"/>
   </p:notesMasterIdLst>
   <p:handoutMasterIdLst>
-    <p:handoutMasterId r:id="rId13"/>
+    <p:handoutMasterId r:id="rId14"/>
   </p:handoutMasterIdLst>
   <p:sldIdLst>
     <p:sldId id="256" r:id="rId2"/>
@@ -17,10 +17,11 @@
     <p:sldId id="276" r:id="rId5"/>
     <p:sldId id="278" r:id="rId6"/>
     <p:sldId id="279" r:id="rId7"/>
-    <p:sldId id="280" r:id="rId8"/>
-    <p:sldId id="274" r:id="rId9"/>
-    <p:sldId id="261" r:id="rId10"/>
-    <p:sldId id="267" r:id="rId11"/>
+    <p:sldId id="281" r:id="rId8"/>
+    <p:sldId id="280" r:id="rId9"/>
+    <p:sldId id="274" r:id="rId10"/>
+    <p:sldId id="261" r:id="rId11"/>
+    <p:sldId id="267" r:id="rId12"/>
   </p:sldIdLst>
   <p:sldSz cx="12192000" cy="6858000"/>
   <p:notesSz cx="6858000" cy="9144000"/>
@@ -1916,13 +1917,6 @@
               </a:rPr>
               <a:t>Agenda</a:t>
             </a:r>
-            <a:endParaRPr lang="en-US" sz="2800" b="1" dirty="0" smtClean="0">
-              <a:solidFill>
-                <a:schemeClr val="tx2"/>
-              </a:solidFill>
-              <a:latin typeface="Arial" pitchFamily="34" charset="0"/>
-              <a:cs typeface="Arial" pitchFamily="34" charset="0"/>
-            </a:endParaRPr>
           </a:p>
         </p:txBody>
       </p:sp>
@@ -2531,6 +2525,167 @@
       </p:grpSpPr>
       <p:sp>
         <p:nvSpPr>
+          <p:cNvPr id="37" name="Title 36"/>
+          <p:cNvSpPr>
+            <a:spLocks noGrp="1"/>
+          </p:cNvSpPr>
+          <p:nvPr>
+            <p:ph type="title"/>
+          </p:nvPr>
+        </p:nvSpPr>
+        <p:spPr/>
+        <p:txBody>
+          <a:bodyPr/>
+          <a:lstStyle/>
+          <a:p>
+            <a:r>
+              <a:rPr lang="en-US" smtClean="0"/>
+              <a:t>Using the Corporate Template</a:t>
+            </a:r>
+            <a:endParaRPr lang="en-US" dirty="0"/>
+          </a:p>
+        </p:txBody>
+      </p:sp>
+      <p:sp>
+        <p:nvSpPr>
+          <p:cNvPr id="38" name="Content Placeholder 37"/>
+          <p:cNvSpPr>
+            <a:spLocks noGrp="1"/>
+          </p:cNvSpPr>
+          <p:nvPr>
+            <p:ph idx="1"/>
+          </p:nvPr>
+        </p:nvSpPr>
+        <p:spPr/>
+        <p:txBody>
+          <a:bodyPr/>
+          <a:lstStyle/>
+          <a:p>
+            <a:r>
+              <a:rPr lang="en-US" sz="1805" dirty="0"/>
+              <a:t>Avoid manually formatting whenever possible. Instead, use built-in styles, templates, layouts, and colors.</a:t>
+            </a:r>
+          </a:p>
+          <a:p>
+            <a:endParaRPr lang="en-US" sz="1805" dirty="0"/>
+          </a:p>
+          <a:p>
+            <a:r>
+              <a:rPr lang="en-US" sz="1805" dirty="0"/>
+              <a:t>When creating new presentations, select the slide layout that best suits your needs from the built-in theme, then add content.</a:t>
+            </a:r>
+          </a:p>
+          <a:p>
+            <a:endParaRPr lang="en-US" sz="1805" dirty="0"/>
+          </a:p>
+          <a:p>
+            <a:r>
+              <a:rPr lang="en-US" sz="1805" dirty="0"/>
+              <a:t>When creating custom shapes, text boxes, and other elements, start from scratch rather than reformatting template shapes.</a:t>
+            </a:r>
+          </a:p>
+          <a:p>
+            <a:endParaRPr lang="en-US" sz="1805" dirty="0"/>
+          </a:p>
+          <a:p>
+            <a:r>
+              <a:rPr lang="en-US" sz="1805" dirty="0"/>
+              <a:t>When applying the new template to existing presentations, review your presentation carefully and manually adjust any formatting issues that have occurred. For additional help, contact Creative Services.</a:t>
+            </a:r>
+          </a:p>
+        </p:txBody>
+      </p:sp>
+      <p:sp>
+        <p:nvSpPr>
+          <p:cNvPr id="6" name="TextBox 5"/>
+          <p:cNvSpPr txBox="1"/>
+          <p:nvPr/>
+        </p:nvSpPr>
+        <p:spPr>
+          <a:xfrm>
+            <a:off x="711202" y="6181045"/>
+            <a:ext cx="10769601" cy="370248"/>
+          </a:xfrm>
+          <a:prstGeom prst="rect">
+            <a:avLst/>
+          </a:prstGeom>
+          <a:noFill/>
+        </p:spPr>
+        <p:txBody>
+          <a:bodyPr wrap="square" rtlCol="0">
+            <a:spAutoFit/>
+          </a:bodyPr>
+          <a:lstStyle/>
+          <a:p>
+            <a:pPr algn="ctr"/>
+            <a:r>
+              <a:rPr lang="en-US" sz="1805" b="1" i="1" dirty="0" smtClean="0">
+                <a:solidFill>
+                  <a:schemeClr val="accent4"/>
+                </a:solidFill>
+                <a:latin typeface="Arial" pitchFamily="34" charset="0"/>
+                <a:cs typeface="Arial" pitchFamily="34" charset="0"/>
+              </a:rPr>
+              <a:t>V15.2</a:t>
+            </a:r>
+            <a:r>
+              <a:rPr lang="en-US" sz="1805" i="1" dirty="0" smtClean="0">
+                <a:solidFill>
+                  <a:schemeClr val="accent4"/>
+                </a:solidFill>
+                <a:latin typeface="Arial" pitchFamily="34" charset="0"/>
+                <a:cs typeface="Arial" pitchFamily="34" charset="0"/>
+              </a:rPr>
+              <a:t>  </a:t>
+            </a:r>
+            <a:r>
+              <a:rPr lang="en-US" sz="1805" i="1" dirty="0">
+                <a:solidFill>
+                  <a:schemeClr val="accent4"/>
+                </a:solidFill>
+                <a:latin typeface="Arial" pitchFamily="34" charset="0"/>
+                <a:cs typeface="Arial" pitchFamily="34" charset="0"/>
+              </a:rPr>
+              <a:t>Delete this slide before finalizing your presentation.</a:t>
+            </a:r>
+          </a:p>
+        </p:txBody>
+      </p:sp>
+    </p:spTree>
+  </p:cSld>
+  <p:clrMapOvr>
+    <a:masterClrMapping/>
+  </p:clrMapOvr>
+  <p:transition/>
+  <p:timing>
+    <p:tnLst>
+      <p:par>
+        <p:cTn id="1" dur="indefinite" restart="never" nodeType="tmRoot"/>
+      </p:par>
+    </p:tnLst>
+  </p:timing>
+</p:sld>
+</file>
+
+<file path=ppt/slides/slide11.xml><?xml version="1.0" encoding="utf-8"?>
+<p:sld xmlns:a="http://schemas.openxmlformats.org/drawingml/2006/main" xmlns:r="http://schemas.openxmlformats.org/officeDocument/2006/relationships" xmlns:p="http://schemas.openxmlformats.org/presentationml/2006/main" show="0">
+  <p:cSld>
+    <p:spTree>
+      <p:nvGrpSpPr>
+        <p:cNvPr id="1" name=""/>
+        <p:cNvGrpSpPr/>
+        <p:nvPr/>
+      </p:nvGrpSpPr>
+      <p:grpSpPr>
+        <a:xfrm>
+          <a:off x="0" y="0"/>
+          <a:ext cx="0" cy="0"/>
+          <a:chOff x="0" y="0"/>
+          <a:chExt cx="0" cy="0"/>
+        </a:xfrm>
+      </p:grpSpPr>
+      <p:sp>
+        <p:nvSpPr>
           <p:cNvPr id="18" name="TextBox 17"/>
           <p:cNvSpPr txBox="1"/>
           <p:nvPr/>
@@ -3344,11 +3499,11 @@
   <p:clrMapOvr>
     <a:masterClrMapping/>
   </p:clrMapOvr>
-  <mc:AlternateContent xmlns:mc="http://schemas.openxmlformats.org/markup-compatibility/2006">
-    <mc:Choice xmlns:p14="http://schemas.microsoft.com/office/powerpoint/2010/main" Requires="p14">
+  <mc:AlternateContent xmlns:mc="http://schemas.openxmlformats.org/markup-compatibility/2006" xmlns:p14="http://schemas.microsoft.com/office/powerpoint/2010/main">
+    <mc:Choice Requires="p14">
       <p:transition spd="slow" p14:dur="2000"/>
     </mc:Choice>
-    <mc:Fallback>
+    <mc:Fallback xmlns="">
       <p:transition spd="slow"/>
     </mc:Fallback>
   </mc:AlternateContent>
@@ -3788,11 +3943,11 @@
   <p:clrMapOvr>
     <a:masterClrMapping/>
   </p:clrMapOvr>
-  <mc:AlternateContent xmlns:mc="http://schemas.openxmlformats.org/markup-compatibility/2006">
-    <mc:Choice xmlns:p14="http://schemas.microsoft.com/office/powerpoint/2010/main" Requires="p14">
+  <mc:AlternateContent xmlns:mc="http://schemas.openxmlformats.org/markup-compatibility/2006" xmlns:p14="http://schemas.microsoft.com/office/powerpoint/2010/main">
+    <mc:Choice Requires="p14">
       <p:transition spd="slow" p14:dur="2000"/>
     </mc:Choice>
-    <mc:Fallback>
+    <mc:Fallback xmlns="">
       <p:transition spd="slow"/>
     </mc:Fallback>
   </mc:AlternateContent>
@@ -4449,6 +4604,918 @@
 </file>
 
 <file path=ppt/slides/slide7.xml><?xml version="1.0" encoding="utf-8"?>
+<p:sld xmlns:a="http://schemas.openxmlformats.org/drawingml/2006/main" xmlns:r="http://schemas.openxmlformats.org/officeDocument/2006/relationships" xmlns:p="http://schemas.openxmlformats.org/presentationml/2006/main">
+  <p:cSld>
+    <p:spTree>
+      <p:nvGrpSpPr>
+        <p:cNvPr id="1" name=""/>
+        <p:cNvGrpSpPr/>
+        <p:nvPr/>
+      </p:nvGrpSpPr>
+      <p:grpSpPr>
+        <a:xfrm>
+          <a:off x="0" y="0"/>
+          <a:ext cx="0" cy="0"/>
+          <a:chOff x="0" y="0"/>
+          <a:chExt cx="0" cy="0"/>
+        </a:xfrm>
+      </p:grpSpPr>
+      <p:sp>
+        <p:nvSpPr>
+          <p:cNvPr id="2" name="Title 1"/>
+          <p:cNvSpPr>
+            <a:spLocks noGrp="1"/>
+          </p:cNvSpPr>
+          <p:nvPr>
+            <p:ph type="title"/>
+          </p:nvPr>
+        </p:nvSpPr>
+        <p:spPr/>
+        <p:txBody>
+          <a:bodyPr/>
+          <a:lstStyle/>
+          <a:p>
+            <a:r>
+              <a:rPr lang="en-US" dirty="0" smtClean="0"/>
+              <a:t>Contact Us</a:t>
+            </a:r>
+            <a:endParaRPr lang="en-US" dirty="0"/>
+          </a:p>
+        </p:txBody>
+      </p:sp>
+      <p:grpSp>
+        <p:nvGrpSpPr>
+          <p:cNvPr id="46" name="Group 45"/>
+          <p:cNvGrpSpPr/>
+          <p:nvPr/>
+        </p:nvGrpSpPr>
+        <p:grpSpPr>
+          <a:xfrm>
+            <a:off x="1714502" y="1672450"/>
+            <a:ext cx="8559800" cy="1752600"/>
+            <a:chOff x="279400" y="4343400"/>
+            <a:chExt cx="8559800" cy="1752600"/>
+          </a:xfrm>
+        </p:grpSpPr>
+        <p:sp>
+          <p:nvSpPr>
+            <p:cNvPr id="17" name="Rounded Rectangle 16"/>
+            <p:cNvSpPr/>
+            <p:nvPr/>
+          </p:nvSpPr>
+          <p:spPr>
+            <a:xfrm>
+              <a:off x="685800" y="4343400"/>
+              <a:ext cx="7924800" cy="1752600"/>
+            </a:xfrm>
+            <a:prstGeom prst="roundRect">
+              <a:avLst/>
+            </a:prstGeom>
+            <a:noFill/>
+            <a:ln>
+              <a:solidFill>
+                <a:schemeClr val="accent5"/>
+              </a:solidFill>
+            </a:ln>
+          </p:spPr>
+          <p:style>
+            <a:lnRef idx="2">
+              <a:schemeClr val="accent1">
+                <a:shade val="50000"/>
+              </a:schemeClr>
+            </a:lnRef>
+            <a:fillRef idx="1">
+              <a:schemeClr val="accent1"/>
+            </a:fillRef>
+            <a:effectRef idx="0">
+              <a:schemeClr val="accent1"/>
+            </a:effectRef>
+            <a:fontRef idx="minor">
+              <a:schemeClr val="lt1"/>
+            </a:fontRef>
+          </p:style>
+          <p:txBody>
+            <a:bodyPr rtlCol="0" anchor="ctr"/>
+            <a:lstStyle/>
+            <a:p>
+              <a:pPr algn="ctr"/>
+              <a:endParaRPr lang="en-US" b="1" dirty="0">
+                <a:latin typeface="Arial" pitchFamily="34" charset="0"/>
+                <a:cs typeface="Arial" pitchFamily="34" charset="0"/>
+              </a:endParaRPr>
+            </a:p>
+          </p:txBody>
+        </p:sp>
+        <p:sp>
+          <p:nvSpPr>
+            <p:cNvPr id="9" name="Rectangle 8"/>
+            <p:cNvSpPr/>
+            <p:nvPr/>
+          </p:nvSpPr>
+          <p:spPr>
+            <a:xfrm>
+              <a:off x="279400" y="4876800"/>
+              <a:ext cx="4495800" cy="584775"/>
+            </a:xfrm>
+            <a:prstGeom prst="rect">
+              <a:avLst/>
+            </a:prstGeom>
+          </p:spPr>
+          <p:txBody>
+            <a:bodyPr wrap="square">
+              <a:spAutoFit/>
+            </a:bodyPr>
+            <a:lstStyle/>
+            <a:p>
+              <a:pPr lvl="1" algn="just" fontAlgn="base"/>
+              <a:r>
+                <a:rPr lang="en-US" sz="3200" dirty="0"/>
+                <a:t>508-647-7000</a:t>
+              </a:r>
+              <a:endParaRPr lang="en-US" sz="2400" dirty="0"/>
+            </a:p>
+          </p:txBody>
+        </p:sp>
+        <p:grpSp>
+          <p:nvGrpSpPr>
+            <p:cNvPr id="15" name="Group 14"/>
+            <p:cNvGrpSpPr/>
+            <p:nvPr/>
+          </p:nvGrpSpPr>
+          <p:grpSpPr>
+            <a:xfrm>
+              <a:off x="2986813" y="4468315"/>
+              <a:ext cx="5852387" cy="1477328"/>
+              <a:chOff x="3136900" y="4708029"/>
+              <a:chExt cx="5852387" cy="1477328"/>
+            </a:xfrm>
+          </p:grpSpPr>
+          <p:sp>
+            <p:nvSpPr>
+              <p:cNvPr id="10" name="Rectangle 9"/>
+              <p:cNvSpPr/>
+              <p:nvPr/>
+            </p:nvSpPr>
+            <p:spPr>
+              <a:xfrm>
+                <a:off x="6629400" y="4708029"/>
+                <a:ext cx="2359887" cy="1477328"/>
+              </a:xfrm>
+              <a:prstGeom prst="rect">
+                <a:avLst/>
+              </a:prstGeom>
+            </p:spPr>
+            <p:txBody>
+              <a:bodyPr wrap="square">
+                <a:spAutoFit/>
+              </a:bodyPr>
+              <a:lstStyle/>
+              <a:p>
+                <a:pPr algn="ctr"/>
+                <a:r>
+                  <a:rPr lang="en-US" dirty="0"/>
+                  <a:t>Monday - Friday</a:t>
+                </a:r>
+              </a:p>
+              <a:p>
+                <a:pPr algn="ctr"/>
+                <a:endParaRPr lang="en-US" dirty="0"/>
+              </a:p>
+              <a:p>
+                <a:pPr algn="ctr"/>
+                <a:r>
+                  <a:rPr lang="en-US" dirty="0"/>
+                  <a:t>08:30-17:30 ET</a:t>
+                </a:r>
+              </a:p>
+              <a:p>
+                <a:pPr algn="ctr"/>
+                <a:endParaRPr lang="en-US" dirty="0"/>
+              </a:p>
+              <a:p>
+                <a:pPr marL="0" lvl="1" algn="ctr"/>
+                <a:r>
+                  <a:rPr lang="en-US" dirty="0"/>
+                  <a:t>08:30-20:00 ET</a:t>
+                </a:r>
+              </a:p>
+            </p:txBody>
+          </p:sp>
+          <p:sp>
+            <p:nvSpPr>
+              <p:cNvPr id="12" name="Rectangle 11"/>
+              <p:cNvSpPr/>
+              <p:nvPr/>
+            </p:nvSpPr>
+            <p:spPr>
+              <a:xfrm>
+                <a:off x="3136900" y="5236627"/>
+                <a:ext cx="3886200" cy="369332"/>
+              </a:xfrm>
+              <a:prstGeom prst="rect">
+                <a:avLst/>
+              </a:prstGeom>
+            </p:spPr>
+            <p:txBody>
+              <a:bodyPr wrap="square">
+                <a:spAutoFit/>
+              </a:bodyPr>
+              <a:lstStyle/>
+              <a:p>
+                <a:pPr lvl="1" algn="r" fontAlgn="base"/>
+                <a:r>
+                  <a:rPr lang="en-US" dirty="0"/>
+                  <a:t>Sales / Customer Support ......</a:t>
+                </a:r>
+              </a:p>
+            </p:txBody>
+          </p:sp>
+          <p:sp>
+            <p:nvSpPr>
+              <p:cNvPr id="14" name="Rectangle 13"/>
+              <p:cNvSpPr/>
+              <p:nvPr/>
+            </p:nvSpPr>
+            <p:spPr>
+              <a:xfrm>
+                <a:off x="4081329" y="5793026"/>
+                <a:ext cx="2929071" cy="369332"/>
+              </a:xfrm>
+              <a:prstGeom prst="rect">
+                <a:avLst/>
+              </a:prstGeom>
+            </p:spPr>
+            <p:txBody>
+              <a:bodyPr wrap="none">
+                <a:spAutoFit/>
+              </a:bodyPr>
+              <a:lstStyle/>
+              <a:p>
+                <a:pPr lvl="1" algn="r" fontAlgn="base"/>
+                <a:r>
+                  <a:rPr lang="en-US" dirty="0"/>
+                  <a:t>Technical Support ......</a:t>
+                </a:r>
+              </a:p>
+            </p:txBody>
+          </p:sp>
+        </p:grpSp>
+        <p:cxnSp>
+          <p:nvCxnSpPr>
+            <p:cNvPr id="45" name="Straight Connector 44"/>
+            <p:cNvCxnSpPr/>
+            <p:nvPr/>
+          </p:nvCxnSpPr>
+          <p:spPr>
+            <a:xfrm>
+              <a:off x="3505200" y="4546600"/>
+              <a:ext cx="0" cy="1350644"/>
+            </a:xfrm>
+            <a:prstGeom prst="line">
+              <a:avLst/>
+            </a:prstGeom>
+            <a:ln w="9525">
+              <a:solidFill>
+                <a:schemeClr val="accent5">
+                  <a:lumMod val="75000"/>
+                </a:schemeClr>
+              </a:solidFill>
+            </a:ln>
+          </p:spPr>
+          <p:style>
+            <a:lnRef idx="1">
+              <a:schemeClr val="accent1"/>
+            </a:lnRef>
+            <a:fillRef idx="0">
+              <a:schemeClr val="accent1"/>
+            </a:fillRef>
+            <a:effectRef idx="0">
+              <a:schemeClr val="accent1"/>
+            </a:effectRef>
+            <a:fontRef idx="minor">
+              <a:schemeClr val="tx1"/>
+            </a:fontRef>
+          </p:style>
+        </p:cxnSp>
+      </p:grpSp>
+      <p:grpSp>
+        <p:nvGrpSpPr>
+          <p:cNvPr id="11" name="Group 10"/>
+          <p:cNvGrpSpPr/>
+          <p:nvPr/>
+        </p:nvGrpSpPr>
+        <p:grpSpPr>
+          <a:xfrm>
+            <a:off x="3705921" y="3754892"/>
+            <a:ext cx="4455433" cy="2395751"/>
+            <a:chOff x="3705921" y="3754892"/>
+            <a:chExt cx="4455433" cy="2395751"/>
+          </a:xfrm>
+        </p:grpSpPr>
+        <p:pic>
+          <p:nvPicPr>
+            <p:cNvPr id="23" name="Picture 22"/>
+            <p:cNvPicPr>
+              <a:picLocks noChangeAspect="1"/>
+            </p:cNvPicPr>
+            <p:nvPr/>
+          </p:nvPicPr>
+          <p:blipFill>
+            <a:blip r:embed="rId2" cstate="print">
+              <a:extLst>
+                <a:ext uri="{28A0092B-C50C-407E-A947-70E740481C1C}">
+                  <a14:useLocalDpi xmlns:a14="http://schemas.microsoft.com/office/drawing/2010/main" val="0"/>
+                </a:ext>
+              </a:extLst>
+            </a:blip>
+            <a:stretch>
+              <a:fillRect/>
+            </a:stretch>
+          </p:blipFill>
+          <p:spPr>
+            <a:xfrm>
+              <a:off x="3705921" y="3754892"/>
+              <a:ext cx="4455433" cy="2395751"/>
+            </a:xfrm>
+            <a:prstGeom prst="rect">
+              <a:avLst/>
+            </a:prstGeom>
+            <a:ln>
+              <a:solidFill>
+                <a:schemeClr val="accent5"/>
+              </a:solidFill>
+            </a:ln>
+          </p:spPr>
+        </p:pic>
+        <p:sp>
+          <p:nvSpPr>
+            <p:cNvPr id="42" name="5-Point Star 41"/>
+            <p:cNvSpPr/>
+            <p:nvPr/>
+          </p:nvSpPr>
+          <p:spPr>
+            <a:xfrm>
+              <a:off x="4019550" y="5105400"/>
+              <a:ext cx="231392" cy="266700"/>
+            </a:xfrm>
+            <a:prstGeom prst="star5">
+              <a:avLst/>
+            </a:prstGeom>
+            <a:solidFill>
+              <a:schemeClr val="accent4"/>
+            </a:solidFill>
+            <a:ln>
+              <a:noFill/>
+            </a:ln>
+          </p:spPr>
+          <p:style>
+            <a:lnRef idx="2">
+              <a:schemeClr val="accent1">
+                <a:shade val="50000"/>
+              </a:schemeClr>
+            </a:lnRef>
+            <a:fillRef idx="1">
+              <a:schemeClr val="accent1"/>
+            </a:fillRef>
+            <a:effectRef idx="0">
+              <a:schemeClr val="accent1"/>
+            </a:effectRef>
+            <a:fontRef idx="minor">
+              <a:schemeClr val="lt1"/>
+            </a:fontRef>
+          </p:style>
+          <p:txBody>
+            <a:bodyPr rtlCol="0" anchor="ctr"/>
+            <a:lstStyle/>
+            <a:p>
+              <a:pPr algn="ctr"/>
+              <a:endParaRPr lang="en-US" b="1" dirty="0">
+                <a:latin typeface="Arial" pitchFamily="34" charset="0"/>
+                <a:cs typeface="Arial" pitchFamily="34" charset="0"/>
+              </a:endParaRPr>
+            </a:p>
+          </p:txBody>
+        </p:sp>
+        <p:sp>
+          <p:nvSpPr>
+            <p:cNvPr id="19" name="5-Point Star 18"/>
+            <p:cNvSpPr/>
+            <p:nvPr/>
+          </p:nvSpPr>
+          <p:spPr>
+            <a:xfrm>
+              <a:off x="7702221" y="4345746"/>
+              <a:ext cx="231392" cy="266700"/>
+            </a:xfrm>
+            <a:prstGeom prst="star5">
+              <a:avLst/>
+            </a:prstGeom>
+            <a:solidFill>
+              <a:schemeClr val="accent4"/>
+            </a:solidFill>
+            <a:ln>
+              <a:noFill/>
+            </a:ln>
+          </p:spPr>
+          <p:style>
+            <a:lnRef idx="2">
+              <a:schemeClr val="accent1">
+                <a:shade val="50000"/>
+              </a:schemeClr>
+            </a:lnRef>
+            <a:fillRef idx="1">
+              <a:schemeClr val="accent1"/>
+            </a:fillRef>
+            <a:effectRef idx="0">
+              <a:schemeClr val="accent1"/>
+            </a:effectRef>
+            <a:fontRef idx="minor">
+              <a:schemeClr val="lt1"/>
+            </a:fontRef>
+          </p:style>
+          <p:txBody>
+            <a:bodyPr rtlCol="0" anchor="ctr"/>
+            <a:lstStyle/>
+            <a:p>
+              <a:pPr algn="ctr"/>
+              <a:endParaRPr lang="en-US" b="1" dirty="0">
+                <a:latin typeface="Arial" pitchFamily="34" charset="0"/>
+                <a:cs typeface="Arial" pitchFamily="34" charset="0"/>
+              </a:endParaRPr>
+            </a:p>
+          </p:txBody>
+        </p:sp>
+        <p:sp>
+          <p:nvSpPr>
+            <p:cNvPr id="21" name="5-Point Star 20"/>
+            <p:cNvSpPr/>
+            <p:nvPr/>
+          </p:nvSpPr>
+          <p:spPr>
+            <a:xfrm>
+              <a:off x="6734233" y="4412421"/>
+              <a:ext cx="231392" cy="266700"/>
+            </a:xfrm>
+            <a:prstGeom prst="star5">
+              <a:avLst/>
+            </a:prstGeom>
+            <a:solidFill>
+              <a:schemeClr val="accent4"/>
+            </a:solidFill>
+            <a:ln>
+              <a:noFill/>
+            </a:ln>
+          </p:spPr>
+          <p:style>
+            <a:lnRef idx="2">
+              <a:schemeClr val="accent1">
+                <a:shade val="50000"/>
+              </a:schemeClr>
+            </a:lnRef>
+            <a:fillRef idx="1">
+              <a:schemeClr val="accent1"/>
+            </a:fillRef>
+            <a:effectRef idx="0">
+              <a:schemeClr val="accent1"/>
+            </a:effectRef>
+            <a:fontRef idx="minor">
+              <a:schemeClr val="lt1"/>
+            </a:fontRef>
+          </p:style>
+          <p:txBody>
+            <a:bodyPr rtlCol="0" anchor="ctr"/>
+            <a:lstStyle/>
+            <a:p>
+              <a:pPr algn="ctr"/>
+              <a:endParaRPr lang="en-US" b="1" dirty="0">
+                <a:latin typeface="Arial" pitchFamily="34" charset="0"/>
+                <a:cs typeface="Arial" pitchFamily="34" charset="0"/>
+              </a:endParaRPr>
+            </a:p>
+          </p:txBody>
+        </p:sp>
+        <p:sp>
+          <p:nvSpPr>
+            <p:cNvPr id="24" name="5-Point Star 23"/>
+            <p:cNvSpPr/>
+            <p:nvPr/>
+          </p:nvSpPr>
+          <p:spPr>
+            <a:xfrm>
+              <a:off x="3788158" y="3757238"/>
+              <a:ext cx="231392" cy="266700"/>
+            </a:xfrm>
+            <a:prstGeom prst="star5">
+              <a:avLst/>
+            </a:prstGeom>
+            <a:solidFill>
+              <a:schemeClr val="tx2"/>
+            </a:solidFill>
+            <a:ln>
+              <a:noFill/>
+            </a:ln>
+          </p:spPr>
+          <p:style>
+            <a:lnRef idx="2">
+              <a:schemeClr val="accent1">
+                <a:shade val="50000"/>
+              </a:schemeClr>
+            </a:lnRef>
+            <a:fillRef idx="1">
+              <a:schemeClr val="accent1"/>
+            </a:fillRef>
+            <a:effectRef idx="0">
+              <a:schemeClr val="accent1"/>
+            </a:effectRef>
+            <a:fontRef idx="minor">
+              <a:schemeClr val="lt1"/>
+            </a:fontRef>
+          </p:style>
+          <p:txBody>
+            <a:bodyPr rtlCol="0" anchor="ctr"/>
+            <a:lstStyle/>
+            <a:p>
+              <a:pPr algn="ctr"/>
+              <a:endParaRPr lang="en-US" b="1" dirty="0">
+                <a:latin typeface="Arial" pitchFamily="34" charset="0"/>
+                <a:cs typeface="Arial" pitchFamily="34" charset="0"/>
+              </a:endParaRPr>
+            </a:p>
+          </p:txBody>
+        </p:sp>
+        <p:sp>
+          <p:nvSpPr>
+            <p:cNvPr id="25" name="5-Point Star 24"/>
+            <p:cNvSpPr/>
+            <p:nvPr/>
+          </p:nvSpPr>
+          <p:spPr>
+            <a:xfrm>
+              <a:off x="3846706" y="4804988"/>
+              <a:ext cx="231392" cy="266700"/>
+            </a:xfrm>
+            <a:prstGeom prst="star5">
+              <a:avLst/>
+            </a:prstGeom>
+            <a:solidFill>
+              <a:schemeClr val="tx2"/>
+            </a:solidFill>
+            <a:ln>
+              <a:noFill/>
+            </a:ln>
+          </p:spPr>
+          <p:style>
+            <a:lnRef idx="2">
+              <a:schemeClr val="accent1">
+                <a:shade val="50000"/>
+              </a:schemeClr>
+            </a:lnRef>
+            <a:fillRef idx="1">
+              <a:schemeClr val="accent1"/>
+            </a:fillRef>
+            <a:effectRef idx="0">
+              <a:schemeClr val="accent1"/>
+            </a:effectRef>
+            <a:fontRef idx="minor">
+              <a:schemeClr val="lt1"/>
+            </a:fontRef>
+          </p:style>
+          <p:txBody>
+            <a:bodyPr rtlCol="0" anchor="ctr"/>
+            <a:lstStyle/>
+            <a:p>
+              <a:pPr algn="ctr"/>
+              <a:endParaRPr lang="en-US" b="1" dirty="0">
+                <a:latin typeface="Arial" pitchFamily="34" charset="0"/>
+                <a:cs typeface="Arial" pitchFamily="34" charset="0"/>
+              </a:endParaRPr>
+            </a:p>
+          </p:txBody>
+        </p:sp>
+        <p:sp>
+          <p:nvSpPr>
+            <p:cNvPr id="26" name="5-Point Star 25"/>
+            <p:cNvSpPr/>
+            <p:nvPr/>
+          </p:nvSpPr>
+          <p:spPr>
+            <a:xfrm>
+              <a:off x="4575492" y="5105400"/>
+              <a:ext cx="231392" cy="266700"/>
+            </a:xfrm>
+            <a:prstGeom prst="star5">
+              <a:avLst/>
+            </a:prstGeom>
+            <a:solidFill>
+              <a:schemeClr val="tx2"/>
+            </a:solidFill>
+            <a:ln>
+              <a:noFill/>
+            </a:ln>
+          </p:spPr>
+          <p:style>
+            <a:lnRef idx="2">
+              <a:schemeClr val="accent1">
+                <a:shade val="50000"/>
+              </a:schemeClr>
+            </a:lnRef>
+            <a:fillRef idx="1">
+              <a:schemeClr val="accent1"/>
+            </a:fillRef>
+            <a:effectRef idx="0">
+              <a:schemeClr val="accent1"/>
+            </a:effectRef>
+            <a:fontRef idx="minor">
+              <a:schemeClr val="lt1"/>
+            </a:fontRef>
+          </p:style>
+          <p:txBody>
+            <a:bodyPr rtlCol="0" anchor="ctr"/>
+            <a:lstStyle/>
+            <a:p>
+              <a:pPr algn="ctr"/>
+              <a:endParaRPr lang="en-US" b="1" dirty="0">
+                <a:latin typeface="Arial" pitchFamily="34" charset="0"/>
+                <a:cs typeface="Arial" pitchFamily="34" charset="0"/>
+              </a:endParaRPr>
+            </a:p>
+          </p:txBody>
+        </p:sp>
+        <p:sp>
+          <p:nvSpPr>
+            <p:cNvPr id="27" name="5-Point Star 26"/>
+            <p:cNvSpPr/>
+            <p:nvPr/>
+          </p:nvSpPr>
+          <p:spPr>
+            <a:xfrm>
+              <a:off x="5702245" y="5314950"/>
+              <a:ext cx="231392" cy="266700"/>
+            </a:xfrm>
+            <a:prstGeom prst="star5">
+              <a:avLst/>
+            </a:prstGeom>
+            <a:solidFill>
+              <a:schemeClr val="tx2"/>
+            </a:solidFill>
+            <a:ln>
+              <a:noFill/>
+            </a:ln>
+          </p:spPr>
+          <p:style>
+            <a:lnRef idx="2">
+              <a:schemeClr val="accent1">
+                <a:shade val="50000"/>
+              </a:schemeClr>
+            </a:lnRef>
+            <a:fillRef idx="1">
+              <a:schemeClr val="accent1"/>
+            </a:fillRef>
+            <a:effectRef idx="0">
+              <a:schemeClr val="accent1"/>
+            </a:effectRef>
+            <a:fontRef idx="minor">
+              <a:schemeClr val="lt1"/>
+            </a:fontRef>
+          </p:style>
+          <p:txBody>
+            <a:bodyPr rtlCol="0" anchor="ctr"/>
+            <a:lstStyle/>
+            <a:p>
+              <a:pPr algn="ctr"/>
+              <a:endParaRPr lang="en-US" b="1" dirty="0">
+                <a:latin typeface="Arial" pitchFamily="34" charset="0"/>
+                <a:cs typeface="Arial" pitchFamily="34" charset="0"/>
+              </a:endParaRPr>
+            </a:p>
+          </p:txBody>
+        </p:sp>
+        <p:sp>
+          <p:nvSpPr>
+            <p:cNvPr id="28" name="5-Point Star 27"/>
+            <p:cNvSpPr/>
+            <p:nvPr/>
+          </p:nvSpPr>
+          <p:spPr>
+            <a:xfrm>
+              <a:off x="7315200" y="4747838"/>
+              <a:ext cx="231392" cy="266700"/>
+            </a:xfrm>
+            <a:prstGeom prst="star5">
+              <a:avLst/>
+            </a:prstGeom>
+            <a:solidFill>
+              <a:schemeClr val="tx2"/>
+            </a:solidFill>
+            <a:ln>
+              <a:noFill/>
+            </a:ln>
+          </p:spPr>
+          <p:style>
+            <a:lnRef idx="2">
+              <a:schemeClr val="accent1">
+                <a:shade val="50000"/>
+              </a:schemeClr>
+            </a:lnRef>
+            <a:fillRef idx="1">
+              <a:schemeClr val="accent1"/>
+            </a:fillRef>
+            <a:effectRef idx="0">
+              <a:schemeClr val="accent1"/>
+            </a:effectRef>
+            <a:fontRef idx="minor">
+              <a:schemeClr val="lt1"/>
+            </a:fontRef>
+          </p:style>
+          <p:txBody>
+            <a:bodyPr rtlCol="0" anchor="ctr"/>
+            <a:lstStyle/>
+            <a:p>
+              <a:pPr algn="ctr"/>
+              <a:endParaRPr lang="en-US" b="1" dirty="0">
+                <a:latin typeface="Arial" pitchFamily="34" charset="0"/>
+                <a:cs typeface="Arial" pitchFamily="34" charset="0"/>
+              </a:endParaRPr>
+            </a:p>
+          </p:txBody>
+        </p:sp>
+        <p:sp>
+          <p:nvSpPr>
+            <p:cNvPr id="29" name="5-Point Star 28"/>
+            <p:cNvSpPr/>
+            <p:nvPr/>
+          </p:nvSpPr>
+          <p:spPr>
+            <a:xfrm>
+              <a:off x="7470829" y="4489561"/>
+              <a:ext cx="231392" cy="266700"/>
+            </a:xfrm>
+            <a:prstGeom prst="star5">
+              <a:avLst/>
+            </a:prstGeom>
+            <a:solidFill>
+              <a:schemeClr val="tx2"/>
+            </a:solidFill>
+            <a:ln>
+              <a:noFill/>
+            </a:ln>
+          </p:spPr>
+          <p:style>
+            <a:lnRef idx="2">
+              <a:schemeClr val="accent1">
+                <a:shade val="50000"/>
+              </a:schemeClr>
+            </a:lnRef>
+            <a:fillRef idx="1">
+              <a:schemeClr val="accent1"/>
+            </a:fillRef>
+            <a:effectRef idx="0">
+              <a:schemeClr val="accent1"/>
+            </a:effectRef>
+            <a:fontRef idx="minor">
+              <a:schemeClr val="lt1"/>
+            </a:fontRef>
+          </p:style>
+          <p:txBody>
+            <a:bodyPr rtlCol="0" anchor="ctr"/>
+            <a:lstStyle/>
+            <a:p>
+              <a:pPr algn="ctr"/>
+              <a:endParaRPr lang="en-US" b="1" dirty="0">
+                <a:latin typeface="Arial" pitchFamily="34" charset="0"/>
+                <a:cs typeface="Arial" pitchFamily="34" charset="0"/>
+              </a:endParaRPr>
+            </a:p>
+          </p:txBody>
+        </p:sp>
+        <p:sp>
+          <p:nvSpPr>
+            <p:cNvPr id="30" name="5-Point Star 29"/>
+            <p:cNvSpPr/>
+            <p:nvPr/>
+          </p:nvSpPr>
+          <p:spPr>
+            <a:xfrm>
+              <a:off x="6425027" y="4356211"/>
+              <a:ext cx="231392" cy="266700"/>
+            </a:xfrm>
+            <a:prstGeom prst="star5">
+              <a:avLst/>
+            </a:prstGeom>
+            <a:solidFill>
+              <a:schemeClr val="tx2"/>
+            </a:solidFill>
+            <a:ln>
+              <a:noFill/>
+            </a:ln>
+          </p:spPr>
+          <p:style>
+            <a:lnRef idx="2">
+              <a:schemeClr val="accent1">
+                <a:shade val="50000"/>
+              </a:schemeClr>
+            </a:lnRef>
+            <a:fillRef idx="1">
+              <a:schemeClr val="accent1"/>
+            </a:fillRef>
+            <a:effectRef idx="0">
+              <a:schemeClr val="accent1"/>
+            </a:effectRef>
+            <a:fontRef idx="minor">
+              <a:schemeClr val="lt1"/>
+            </a:fontRef>
+          </p:style>
+          <p:txBody>
+            <a:bodyPr rtlCol="0" anchor="ctr"/>
+            <a:lstStyle/>
+            <a:p>
+              <a:pPr algn="ctr"/>
+              <a:endParaRPr lang="en-US" b="1" dirty="0">
+                <a:latin typeface="Arial" pitchFamily="34" charset="0"/>
+                <a:cs typeface="Arial" pitchFamily="34" charset="0"/>
+              </a:endParaRPr>
+            </a:p>
+          </p:txBody>
+        </p:sp>
+        <p:sp>
+          <p:nvSpPr>
+            <p:cNvPr id="31" name="5-Point Star 30"/>
+            <p:cNvSpPr/>
+            <p:nvPr/>
+          </p:nvSpPr>
+          <p:spPr>
+            <a:xfrm>
+              <a:off x="4219098" y="5229225"/>
+              <a:ext cx="231392" cy="266700"/>
+            </a:xfrm>
+            <a:prstGeom prst="star5">
+              <a:avLst/>
+            </a:prstGeom>
+            <a:solidFill>
+              <a:schemeClr val="tx2"/>
+            </a:solidFill>
+            <a:ln>
+              <a:noFill/>
+            </a:ln>
+          </p:spPr>
+          <p:style>
+            <a:lnRef idx="2">
+              <a:schemeClr val="accent1">
+                <a:shade val="50000"/>
+              </a:schemeClr>
+            </a:lnRef>
+            <a:fillRef idx="1">
+              <a:schemeClr val="accent1"/>
+            </a:fillRef>
+            <a:effectRef idx="0">
+              <a:schemeClr val="accent1"/>
+            </a:effectRef>
+            <a:fontRef idx="minor">
+              <a:schemeClr val="lt1"/>
+            </a:fontRef>
+          </p:style>
+          <p:txBody>
+            <a:bodyPr rtlCol="0" anchor="ctr"/>
+            <a:lstStyle/>
+            <a:p>
+              <a:pPr algn="ctr"/>
+              <a:endParaRPr lang="en-US" b="1" dirty="0">
+                <a:latin typeface="Arial" pitchFamily="34" charset="0"/>
+                <a:cs typeface="Arial" pitchFamily="34" charset="0"/>
+              </a:endParaRPr>
+            </a:p>
+          </p:txBody>
+        </p:sp>
+      </p:grpSp>
+    </p:spTree>
+    <p:extLst>
+      <p:ext uri="{BB962C8B-B14F-4D97-AF65-F5344CB8AC3E}">
+        <p14:creationId xmlns:p14="http://schemas.microsoft.com/office/powerpoint/2010/main" val="2175479909"/>
+      </p:ext>
+    </p:extLst>
+  </p:cSld>
+  <p:clrMapOvr>
+    <a:masterClrMapping/>
+  </p:clrMapOvr>
+  <mc:AlternateContent xmlns:mc="http://schemas.openxmlformats.org/markup-compatibility/2006">
+    <mc:Choice xmlns:p14="http://schemas.microsoft.com/office/powerpoint/2010/main" Requires="p14">
+      <p:transition spd="slow" p14:dur="2000"/>
+    </mc:Choice>
+    <mc:Fallback>
+      <p:transition spd="slow"/>
+    </mc:Fallback>
+  </mc:AlternateContent>
+  <p:timing>
+    <p:tnLst>
+      <p:par>
+        <p:cTn id="1" dur="indefinite" restart="never" nodeType="tmRoot"/>
+      </p:par>
+    </p:tnLst>
+  </p:timing>
+</p:sld>
+</file>
+
+<file path=ppt/slides/slide8.xml><?xml version="1.0" encoding="utf-8"?>
 <p:sld xmlns:a="http://schemas.openxmlformats.org/drawingml/2006/main" xmlns:r="http://schemas.openxmlformats.org/officeDocument/2006/relationships" xmlns:p="http://schemas.openxmlformats.org/presentationml/2006/main" show="0">
   <p:cSld>
     <p:spTree>
@@ -4696,7 +5763,6 @@
                 <a:rPr lang="en-US" dirty="0"/>
                 <a:t>Jon.Lewis@MathWorks.com </a:t>
               </a:r>
-              <a:endParaRPr lang="en-US" dirty="0"/>
             </a:p>
           </p:txBody>
         </p:sp>
@@ -4953,13 +6019,8 @@
                 <a:pPr marL="0" lvl="1" algn="ctr"/>
                 <a:r>
                   <a:rPr lang="en-US" dirty="0"/>
-                  <a:t>08:30-20:00 </a:t>
+                  <a:t>08:30-20:00 ET</a:t>
                 </a:r>
-                <a:r>
-                  <a:rPr lang="en-US" dirty="0"/>
-                  <a:t>ET</a:t>
-                </a:r>
-                <a:endParaRPr lang="en-US" dirty="0"/>
               </a:p>
             </p:txBody>
           </p:sp>
@@ -5088,7 +6149,7 @@
 </p:sld>
 </file>
 
-<file path=ppt/slides/slide8.xml><?xml version="1.0" encoding="utf-8"?>
+<file path=ppt/slides/slide9.xml><?xml version="1.0" encoding="utf-8"?>
 <p:sld xmlns:a="http://schemas.openxmlformats.org/drawingml/2006/main" xmlns:r="http://schemas.openxmlformats.org/officeDocument/2006/relationships" xmlns:p="http://schemas.openxmlformats.org/presentationml/2006/main" show="0">
   <p:cSld>
     <p:spTree>
@@ -6030,175 +7091,14 @@
   <p:clrMapOvr>
     <a:masterClrMapping/>
   </p:clrMapOvr>
-  <mc:AlternateContent xmlns:mc="http://schemas.openxmlformats.org/markup-compatibility/2006">
-    <mc:Choice xmlns:p14="http://schemas.microsoft.com/office/powerpoint/2010/main" Requires="p14">
+  <mc:AlternateContent xmlns:mc="http://schemas.openxmlformats.org/markup-compatibility/2006" xmlns:p14="http://schemas.microsoft.com/office/powerpoint/2010/main">
+    <mc:Choice Requires="p14">
       <p:transition spd="slow" p14:dur="2000"/>
     </mc:Choice>
-    <mc:Fallback>
+    <mc:Fallback xmlns="">
       <p:transition spd="slow"/>
     </mc:Fallback>
   </mc:AlternateContent>
-  <p:timing>
-    <p:tnLst>
-      <p:par>
-        <p:cTn id="1" dur="indefinite" restart="never" nodeType="tmRoot"/>
-      </p:par>
-    </p:tnLst>
-  </p:timing>
-</p:sld>
-</file>
-
-<file path=ppt/slides/slide9.xml><?xml version="1.0" encoding="utf-8"?>
-<p:sld xmlns:a="http://schemas.openxmlformats.org/drawingml/2006/main" xmlns:r="http://schemas.openxmlformats.org/officeDocument/2006/relationships" xmlns:p="http://schemas.openxmlformats.org/presentationml/2006/main" show="0">
-  <p:cSld>
-    <p:spTree>
-      <p:nvGrpSpPr>
-        <p:cNvPr id="1" name=""/>
-        <p:cNvGrpSpPr/>
-        <p:nvPr/>
-      </p:nvGrpSpPr>
-      <p:grpSpPr>
-        <a:xfrm>
-          <a:off x="0" y="0"/>
-          <a:ext cx="0" cy="0"/>
-          <a:chOff x="0" y="0"/>
-          <a:chExt cx="0" cy="0"/>
-        </a:xfrm>
-      </p:grpSpPr>
-      <p:sp>
-        <p:nvSpPr>
-          <p:cNvPr id="37" name="Title 36"/>
-          <p:cNvSpPr>
-            <a:spLocks noGrp="1"/>
-          </p:cNvSpPr>
-          <p:nvPr>
-            <p:ph type="title"/>
-          </p:nvPr>
-        </p:nvSpPr>
-        <p:spPr/>
-        <p:txBody>
-          <a:bodyPr/>
-          <a:lstStyle/>
-          <a:p>
-            <a:r>
-              <a:rPr lang="en-US" smtClean="0"/>
-              <a:t>Using the Corporate Template</a:t>
-            </a:r>
-            <a:endParaRPr lang="en-US" dirty="0"/>
-          </a:p>
-        </p:txBody>
-      </p:sp>
-      <p:sp>
-        <p:nvSpPr>
-          <p:cNvPr id="38" name="Content Placeholder 37"/>
-          <p:cNvSpPr>
-            <a:spLocks noGrp="1"/>
-          </p:cNvSpPr>
-          <p:nvPr>
-            <p:ph idx="1"/>
-          </p:nvPr>
-        </p:nvSpPr>
-        <p:spPr/>
-        <p:txBody>
-          <a:bodyPr/>
-          <a:lstStyle/>
-          <a:p>
-            <a:r>
-              <a:rPr lang="en-US" sz="1805" dirty="0"/>
-              <a:t>Avoid manually formatting whenever possible. Instead, use built-in styles, templates, layouts, and colors.</a:t>
-            </a:r>
-          </a:p>
-          <a:p>
-            <a:endParaRPr lang="en-US" sz="1805" dirty="0"/>
-          </a:p>
-          <a:p>
-            <a:r>
-              <a:rPr lang="en-US" sz="1805" dirty="0"/>
-              <a:t>When creating new presentations, select the slide layout that best suits your needs from the built-in theme, then add content.</a:t>
-            </a:r>
-          </a:p>
-          <a:p>
-            <a:endParaRPr lang="en-US" sz="1805" dirty="0"/>
-          </a:p>
-          <a:p>
-            <a:r>
-              <a:rPr lang="en-US" sz="1805" dirty="0"/>
-              <a:t>When creating custom shapes, text boxes, and other elements, start from scratch rather than reformatting template shapes.</a:t>
-            </a:r>
-          </a:p>
-          <a:p>
-            <a:endParaRPr lang="en-US" sz="1805" dirty="0"/>
-          </a:p>
-          <a:p>
-            <a:r>
-              <a:rPr lang="en-US" sz="1805" dirty="0"/>
-              <a:t>When applying the new template to existing presentations, review your presentation carefully and manually adjust any formatting issues that have occurred. For additional help, contact Creative Services.</a:t>
-            </a:r>
-          </a:p>
-        </p:txBody>
-      </p:sp>
-      <p:sp>
-        <p:nvSpPr>
-          <p:cNvPr id="6" name="TextBox 5"/>
-          <p:cNvSpPr txBox="1"/>
-          <p:nvPr/>
-        </p:nvSpPr>
-        <p:spPr>
-          <a:xfrm>
-            <a:off x="711202" y="6181045"/>
-            <a:ext cx="10769601" cy="370248"/>
-          </a:xfrm>
-          <a:prstGeom prst="rect">
-            <a:avLst/>
-          </a:prstGeom>
-          <a:noFill/>
-        </p:spPr>
-        <p:txBody>
-          <a:bodyPr wrap="square" rtlCol="0">
-            <a:spAutoFit/>
-          </a:bodyPr>
-          <a:lstStyle/>
-          <a:p>
-            <a:pPr algn="ctr"/>
-            <a:r>
-              <a:rPr lang="en-US" sz="1805" b="1" i="1" dirty="0" smtClean="0">
-                <a:solidFill>
-                  <a:schemeClr val="accent4"/>
-                </a:solidFill>
-                <a:latin typeface="Arial" pitchFamily="34" charset="0"/>
-                <a:cs typeface="Arial" pitchFamily="34" charset="0"/>
-              </a:rPr>
-              <a:t>V15.2</a:t>
-            </a:r>
-            <a:r>
-              <a:rPr lang="en-US" sz="1805" i="1" dirty="0" smtClean="0">
-                <a:solidFill>
-                  <a:schemeClr val="accent4"/>
-                </a:solidFill>
-                <a:latin typeface="Arial" pitchFamily="34" charset="0"/>
-                <a:cs typeface="Arial" pitchFamily="34" charset="0"/>
-              </a:rPr>
-              <a:t>  </a:t>
-            </a:r>
-            <a:r>
-              <a:rPr lang="en-US" sz="1805" i="1" dirty="0">
-                <a:solidFill>
-                  <a:schemeClr val="accent4"/>
-                </a:solidFill>
-                <a:latin typeface="Arial" pitchFamily="34" charset="0"/>
-                <a:cs typeface="Arial" pitchFamily="34" charset="0"/>
-              </a:rPr>
-              <a:t>Delete this slide before finalizing your presentation.</a:t>
-            </a:r>
-          </a:p>
-        </p:txBody>
-      </p:sp>
-    </p:spTree>
-  </p:cSld>
-  <p:clrMapOvr>
-    <a:masterClrMapping/>
-  </p:clrMapOvr>
-  <p:transition/>
   <p:timing>
     <p:tnLst>
       <p:par>

--- a/Presentation/PowerPoint/template.pptx
+++ b/Presentation/PowerPoint/template.pptx
@@ -236,7 +236,7 @@
             <a:fld id="{5F993C83-2184-4286-ABE1-941A40B40C8F}" type="datetimeFigureOut">
               <a:rPr lang="en-US" smtClean="0"/>
               <a:pPr/>
-              <a:t>12/31/2015</a:t>
+              <a:t>1/26/2016</a:t>
             </a:fld>
             <a:endParaRPr lang="en-US"/>
           </a:p>
@@ -403,7 +403,7 @@
             <a:fld id="{6053241F-7ED4-45AC-844C-15DB0D5F9CCD}" type="datetimeFigureOut">
               <a:rPr lang="en-US" smtClean="0"/>
               <a:pPr/>
-              <a:t>12/31/2015</a:t>
+              <a:t>1/26/2016</a:t>
             </a:fld>
             <a:endParaRPr lang="en-US"/>
           </a:p>
@@ -900,7 +900,27 @@
                 <a:latin typeface="Arial" pitchFamily="34" charset="0"/>
                 <a:cs typeface="Arial" pitchFamily="34" charset="0"/>
               </a:rPr>
-              <a:t>© 2015 The MathWorks, Inc.</a:t>
+              <a:t>© </a:t>
+            </a:r>
+            <a:r>
+              <a:rPr lang="en-US" sz="1003" dirty="0" smtClean="0">
+                <a:solidFill>
+                  <a:schemeClr val="bg1"/>
+                </a:solidFill>
+                <a:latin typeface="Arial" pitchFamily="34" charset="0"/>
+                <a:cs typeface="Arial" pitchFamily="34" charset="0"/>
+              </a:rPr>
+              <a:t>2016 </a:t>
+            </a:r>
+            <a:r>
+              <a:rPr lang="en-US" sz="1003" dirty="0" smtClean="0">
+                <a:solidFill>
+                  <a:schemeClr val="bg1"/>
+                </a:solidFill>
+                <a:latin typeface="Arial" pitchFamily="34" charset="0"/>
+                <a:cs typeface="Arial" pitchFamily="34" charset="0"/>
+              </a:rPr>
+              <a:t>The MathWorks, Inc.</a:t>
             </a:r>
             <a:endParaRPr lang="en-US" sz="1003" dirty="0">
               <a:solidFill>
@@ -5497,11 +5517,11 @@
   <p:clrMapOvr>
     <a:masterClrMapping/>
   </p:clrMapOvr>
-  <mc:AlternateContent xmlns:mc="http://schemas.openxmlformats.org/markup-compatibility/2006">
-    <mc:Choice xmlns:p14="http://schemas.microsoft.com/office/powerpoint/2010/main" Requires="p14">
+  <mc:AlternateContent xmlns:mc="http://schemas.openxmlformats.org/markup-compatibility/2006" xmlns:p14="http://schemas.microsoft.com/office/powerpoint/2010/main">
+    <mc:Choice Requires="p14">
       <p:transition spd="slow" p14:dur="2000"/>
     </mc:Choice>
-    <mc:Fallback>
+    <mc:Fallback xmlns="">
       <p:transition spd="slow"/>
     </mc:Fallback>
   </mc:AlternateContent>
